--- a/技术路线.pptx
+++ b/技术路线.pptx
@@ -5,10 +5,11 @@
     <p:sldMasterId id="2147483648" r:id="rId1"/>
   </p:sldMasterIdLst>
   <p:notesMasterIdLst>
-    <p:notesMasterId r:id="rId3"/>
+    <p:notesMasterId r:id="rId4"/>
   </p:notesMasterIdLst>
   <p:sldIdLst>
     <p:sldId id="256" r:id="rId2"/>
+    <p:sldId id="257" r:id="rId3"/>
   </p:sldIdLst>
   <p:sldSz cx="12192000" cy="6858000"/>
   <p:notesSz cx="6858000" cy="9144000"/>
@@ -197,7 +198,7 @@
           <a:p>
             <a:fld id="{BEDDFC9F-EC9B-4504-A9FF-B7CF03B75E25}" type="datetimeFigureOut">
               <a:rPr lang="zh-CN" altLang="en-US" smtClean="0"/>
-              <a:t>2024/10/28</a:t>
+              <a:t>2024/10/29</a:t>
             </a:fld>
             <a:endParaRPr lang="zh-CN" altLang="en-US"/>
           </a:p>
@@ -611,7 +612,7 @@
           <a:p>
             <a:fld id="{460D196E-1757-426A-AACA-13E049D3B76F}" type="datetimeFigureOut">
               <a:rPr lang="zh-CN" altLang="en-US" smtClean="0"/>
-              <a:t>2024/10/28</a:t>
+              <a:t>2024/10/29</a:t>
             </a:fld>
             <a:endParaRPr lang="zh-CN" altLang="en-US"/>
           </a:p>
@@ -809,7 +810,7 @@
           <a:p>
             <a:fld id="{460D196E-1757-426A-AACA-13E049D3B76F}" type="datetimeFigureOut">
               <a:rPr lang="zh-CN" altLang="en-US" smtClean="0"/>
-              <a:t>2024/10/28</a:t>
+              <a:t>2024/10/29</a:t>
             </a:fld>
             <a:endParaRPr lang="zh-CN" altLang="en-US"/>
           </a:p>
@@ -1017,7 +1018,7 @@
           <a:p>
             <a:fld id="{460D196E-1757-426A-AACA-13E049D3B76F}" type="datetimeFigureOut">
               <a:rPr lang="zh-CN" altLang="en-US" smtClean="0"/>
-              <a:t>2024/10/28</a:t>
+              <a:t>2024/10/29</a:t>
             </a:fld>
             <a:endParaRPr lang="zh-CN" altLang="en-US"/>
           </a:p>
@@ -1215,7 +1216,7 @@
           <a:p>
             <a:fld id="{460D196E-1757-426A-AACA-13E049D3B76F}" type="datetimeFigureOut">
               <a:rPr lang="zh-CN" altLang="en-US" smtClean="0"/>
-              <a:t>2024/10/28</a:t>
+              <a:t>2024/10/29</a:t>
             </a:fld>
             <a:endParaRPr lang="zh-CN" altLang="en-US"/>
           </a:p>
@@ -1490,7 +1491,7 @@
           <a:p>
             <a:fld id="{460D196E-1757-426A-AACA-13E049D3B76F}" type="datetimeFigureOut">
               <a:rPr lang="zh-CN" altLang="en-US" smtClean="0"/>
-              <a:t>2024/10/28</a:t>
+              <a:t>2024/10/29</a:t>
             </a:fld>
             <a:endParaRPr lang="zh-CN" altLang="en-US"/>
           </a:p>
@@ -1755,7 +1756,7 @@
           <a:p>
             <a:fld id="{460D196E-1757-426A-AACA-13E049D3B76F}" type="datetimeFigureOut">
               <a:rPr lang="zh-CN" altLang="en-US" smtClean="0"/>
-              <a:t>2024/10/28</a:t>
+              <a:t>2024/10/29</a:t>
             </a:fld>
             <a:endParaRPr lang="zh-CN" altLang="en-US"/>
           </a:p>
@@ -2167,7 +2168,7 @@
           <a:p>
             <a:fld id="{460D196E-1757-426A-AACA-13E049D3B76F}" type="datetimeFigureOut">
               <a:rPr lang="zh-CN" altLang="en-US" smtClean="0"/>
-              <a:t>2024/10/28</a:t>
+              <a:t>2024/10/29</a:t>
             </a:fld>
             <a:endParaRPr lang="zh-CN" altLang="en-US"/>
           </a:p>
@@ -2308,7 +2309,7 @@
           <a:p>
             <a:fld id="{460D196E-1757-426A-AACA-13E049D3B76F}" type="datetimeFigureOut">
               <a:rPr lang="zh-CN" altLang="en-US" smtClean="0"/>
-              <a:t>2024/10/28</a:t>
+              <a:t>2024/10/29</a:t>
             </a:fld>
             <a:endParaRPr lang="zh-CN" altLang="en-US"/>
           </a:p>
@@ -2421,7 +2422,7 @@
           <a:p>
             <a:fld id="{460D196E-1757-426A-AACA-13E049D3B76F}" type="datetimeFigureOut">
               <a:rPr lang="zh-CN" altLang="en-US" smtClean="0"/>
-              <a:t>2024/10/28</a:t>
+              <a:t>2024/10/29</a:t>
             </a:fld>
             <a:endParaRPr lang="zh-CN" altLang="en-US"/>
           </a:p>
@@ -2732,7 +2733,7 @@
           <a:p>
             <a:fld id="{460D196E-1757-426A-AACA-13E049D3B76F}" type="datetimeFigureOut">
               <a:rPr lang="zh-CN" altLang="en-US" smtClean="0"/>
-              <a:t>2024/10/28</a:t>
+              <a:t>2024/10/29</a:t>
             </a:fld>
             <a:endParaRPr lang="zh-CN" altLang="en-US"/>
           </a:p>
@@ -3020,7 +3021,7 @@
           <a:p>
             <a:fld id="{460D196E-1757-426A-AACA-13E049D3B76F}" type="datetimeFigureOut">
               <a:rPr lang="zh-CN" altLang="en-US" smtClean="0"/>
-              <a:t>2024/10/28</a:t>
+              <a:t>2024/10/29</a:t>
             </a:fld>
             <a:endParaRPr lang="zh-CN" altLang="en-US"/>
           </a:p>
@@ -3261,7 +3262,7 @@
           <a:p>
             <a:fld id="{460D196E-1757-426A-AACA-13E049D3B76F}" type="datetimeFigureOut">
               <a:rPr lang="zh-CN" altLang="en-US" smtClean="0"/>
-              <a:t>2024/10/28</a:t>
+              <a:t>2024/10/29</a:t>
             </a:fld>
             <a:endParaRPr lang="zh-CN" altLang="en-US"/>
           </a:p>
@@ -6453,6 +6454,25 @@
               </a:rPr>
               <a:t>Flask</a:t>
             </a:r>
+            <a:r>
+              <a:rPr lang="en-US" altLang="zh-CN" sz="1200" b="1" dirty="0">
+                <a:effectLst/>
+                <a:highlight>
+                  <a:srgbClr val="F5F5F5"/>
+                </a:highlight>
+                <a:latin typeface="Arial" panose="020B0604020202020204" pitchFamily="34" charset="0"/>
+                <a:cs typeface="Arial" panose="020B0604020202020204" pitchFamily="34" charset="0"/>
+              </a:rPr>
+              <a:t> POST</a:t>
+            </a:r>
+            <a:endParaRPr lang="sq-AL" altLang="zh-CN" sz="1200" b="1" dirty="0">
+              <a:effectLst/>
+              <a:highlight>
+                <a:srgbClr val="F5F5F5"/>
+              </a:highlight>
+              <a:latin typeface="Arial" panose="020B0604020202020204" pitchFamily="34" charset="0"/>
+              <a:cs typeface="Arial" panose="020B0604020202020204" pitchFamily="34" charset="0"/>
+            </a:endParaRPr>
           </a:p>
         </p:txBody>
       </p:sp>
@@ -7112,10 +7132,1120 @@
           </a:p>
         </p:txBody>
       </p:sp>
+      <p:pic>
+        <p:nvPicPr>
+          <p:cNvPr id="40" name="图片 39">
+            <a:extLst>
+              <a:ext uri="{FF2B5EF4-FFF2-40B4-BE49-F238E27FC236}">
+                <a16:creationId xmlns:a16="http://schemas.microsoft.com/office/drawing/2014/main" id="{651D3469-22B7-445B-8E59-D7ED21AA9EC3}"/>
+              </a:ext>
+            </a:extLst>
+          </p:cNvPr>
+          <p:cNvPicPr>
+            <a:picLocks noChangeAspect="1"/>
+          </p:cNvPicPr>
+          <p:nvPr/>
+        </p:nvPicPr>
+        <p:blipFill>
+          <a:blip r:embed="rId4"/>
+          <a:stretch>
+            <a:fillRect/>
+          </a:stretch>
+        </p:blipFill>
+        <p:spPr>
+          <a:xfrm>
+            <a:off x="9755354" y="1301751"/>
+            <a:ext cx="1228962" cy="4436843"/>
+          </a:xfrm>
+          <a:prstGeom prst="rect">
+            <a:avLst/>
+          </a:prstGeom>
+          <a:ln>
+            <a:solidFill>
+              <a:schemeClr val="accent1"/>
+            </a:solidFill>
+          </a:ln>
+        </p:spPr>
+      </p:pic>
     </p:spTree>
     <p:extLst>
       <p:ext uri="{BB962C8B-B14F-4D97-AF65-F5344CB8AC3E}">
         <p14:creationId xmlns:p14="http://schemas.microsoft.com/office/powerpoint/2010/main" val="3689490041"/>
+      </p:ext>
+    </p:extLst>
+  </p:cSld>
+  <p:clrMapOvr>
+    <a:masterClrMapping/>
+  </p:clrMapOvr>
+</p:sld>
+</file>
+
+<file path=ppt/slides/slide2.xml><?xml version="1.0" encoding="utf-8"?>
+<p:sld xmlns:a="http://schemas.openxmlformats.org/drawingml/2006/main" xmlns:r="http://schemas.openxmlformats.org/officeDocument/2006/relationships" xmlns:p="http://schemas.openxmlformats.org/presentationml/2006/main">
+  <p:cSld>
+    <p:spTree>
+      <p:nvGrpSpPr>
+        <p:cNvPr id="1" name=""/>
+        <p:cNvGrpSpPr/>
+        <p:nvPr/>
+      </p:nvGrpSpPr>
+      <p:grpSpPr>
+        <a:xfrm>
+          <a:off x="0" y="0"/>
+          <a:ext cx="0" cy="0"/>
+          <a:chOff x="0" y="0"/>
+          <a:chExt cx="0" cy="0"/>
+        </a:xfrm>
+      </p:grpSpPr>
+      <p:pic>
+        <p:nvPicPr>
+          <p:cNvPr id="7" name="图片 6">
+            <a:extLst>
+              <a:ext uri="{FF2B5EF4-FFF2-40B4-BE49-F238E27FC236}">
+                <a16:creationId xmlns:a16="http://schemas.microsoft.com/office/drawing/2014/main" id="{10A341E7-86DE-5F5D-0788-1E5C905B65C9}"/>
+              </a:ext>
+            </a:extLst>
+          </p:cNvPr>
+          <p:cNvPicPr>
+            <a:picLocks noChangeAspect="1"/>
+          </p:cNvPicPr>
+          <p:nvPr/>
+        </p:nvPicPr>
+        <p:blipFill>
+          <a:blip r:embed="rId2"/>
+          <a:stretch>
+            <a:fillRect/>
+          </a:stretch>
+        </p:blipFill>
+        <p:spPr>
+          <a:xfrm>
+            <a:off x="5990891" y="3992744"/>
+            <a:ext cx="3975041" cy="1699300"/>
+          </a:xfrm>
+          <a:prstGeom prst="rect">
+            <a:avLst/>
+          </a:prstGeom>
+        </p:spPr>
+      </p:pic>
+      <p:grpSp>
+        <p:nvGrpSpPr>
+          <p:cNvPr id="15" name="组合 14">
+            <a:extLst>
+              <a:ext uri="{FF2B5EF4-FFF2-40B4-BE49-F238E27FC236}">
+                <a16:creationId xmlns:a16="http://schemas.microsoft.com/office/drawing/2014/main" id="{5A60D790-DA68-7D01-4073-DB5172129F0F}"/>
+              </a:ext>
+            </a:extLst>
+          </p:cNvPr>
+          <p:cNvGrpSpPr/>
+          <p:nvPr/>
+        </p:nvGrpSpPr>
+        <p:grpSpPr>
+          <a:xfrm>
+            <a:off x="5990889" y="3684967"/>
+            <a:ext cx="3975042" cy="307777"/>
+            <a:chOff x="1813386" y="3417678"/>
+            <a:chExt cx="3975042" cy="307777"/>
+          </a:xfrm>
+        </p:grpSpPr>
+        <p:sp>
+          <p:nvSpPr>
+            <p:cNvPr id="5" name="矩形 4">
+              <a:extLst>
+                <a:ext uri="{FF2B5EF4-FFF2-40B4-BE49-F238E27FC236}">
+                  <a16:creationId xmlns:a16="http://schemas.microsoft.com/office/drawing/2014/main" id="{DDAB1C8C-981F-6B80-8E15-B2E78C3D62D9}"/>
+                </a:ext>
+              </a:extLst>
+            </p:cNvPr>
+            <p:cNvSpPr/>
+            <p:nvPr/>
+          </p:nvSpPr>
+          <p:spPr>
+            <a:xfrm>
+              <a:off x="1813387" y="3429000"/>
+              <a:ext cx="3975041" cy="296455"/>
+            </a:xfrm>
+            <a:prstGeom prst="rect">
+              <a:avLst/>
+            </a:prstGeom>
+            <a:solidFill>
+              <a:srgbClr val="E7EBE1"/>
+            </a:solidFill>
+            <a:ln w="3175">
+              <a:noFill/>
+            </a:ln>
+            <a:effectLst/>
+          </p:spPr>
+          <p:style>
+            <a:lnRef idx="2">
+              <a:schemeClr val="accent1">
+                <a:shade val="15000"/>
+              </a:schemeClr>
+            </a:lnRef>
+            <a:fillRef idx="1">
+              <a:schemeClr val="accent1"/>
+            </a:fillRef>
+            <a:effectRef idx="0">
+              <a:schemeClr val="accent1"/>
+            </a:effectRef>
+            <a:fontRef idx="minor">
+              <a:schemeClr val="lt1"/>
+            </a:fontRef>
+          </p:style>
+          <p:txBody>
+            <a:bodyPr rtlCol="0" anchor="ctr"/>
+            <a:lstStyle/>
+            <a:p>
+              <a:pPr algn="ctr"/>
+              <a:endParaRPr lang="zh-CN" altLang="en-US" dirty="0"/>
+            </a:p>
+          </p:txBody>
+        </p:sp>
+        <p:sp>
+          <p:nvSpPr>
+            <p:cNvPr id="8" name="文本框 7">
+              <a:extLst>
+                <a:ext uri="{FF2B5EF4-FFF2-40B4-BE49-F238E27FC236}">
+                  <a16:creationId xmlns:a16="http://schemas.microsoft.com/office/drawing/2014/main" id="{98E52DE5-741C-FC0A-ED82-1423FC366FE4}"/>
+                </a:ext>
+              </a:extLst>
+            </p:cNvPr>
+            <p:cNvSpPr txBox="1"/>
+            <p:nvPr/>
+          </p:nvSpPr>
+          <p:spPr>
+            <a:xfrm>
+              <a:off x="1813386" y="3417678"/>
+              <a:ext cx="1489756" cy="307777"/>
+            </a:xfrm>
+            <a:prstGeom prst="rect">
+              <a:avLst/>
+            </a:prstGeom>
+            <a:noFill/>
+          </p:spPr>
+          <p:txBody>
+            <a:bodyPr wrap="square" rtlCol="0">
+              <a:spAutoFit/>
+            </a:bodyPr>
+            <a:lstStyle/>
+            <a:p>
+              <a:r>
+                <a:rPr lang="zh-CN" altLang="en-US" sz="1400" b="1" dirty="0">
+                  <a:solidFill>
+                    <a:srgbClr val="7A8F5B"/>
+                  </a:solidFill>
+                  <a:latin typeface="Arial" panose="020B0604020202020204" pitchFamily="34" charset="0"/>
+                  <a:cs typeface="Arial" panose="020B0604020202020204" pitchFamily="34" charset="0"/>
+                </a:rPr>
+                <a:t>前端读取</a:t>
+              </a:r>
+            </a:p>
+          </p:txBody>
+        </p:sp>
+      </p:grpSp>
+      <p:pic>
+        <p:nvPicPr>
+          <p:cNvPr id="14" name="图片 13">
+            <a:extLst>
+              <a:ext uri="{FF2B5EF4-FFF2-40B4-BE49-F238E27FC236}">
+                <a16:creationId xmlns:a16="http://schemas.microsoft.com/office/drawing/2014/main" id="{119AA833-F66A-8C2F-0984-AD637AB9C901}"/>
+              </a:ext>
+            </a:extLst>
+          </p:cNvPr>
+          <p:cNvPicPr>
+            <a:picLocks noChangeAspect="1"/>
+          </p:cNvPicPr>
+          <p:nvPr/>
+        </p:nvPicPr>
+        <p:blipFill>
+          <a:blip r:embed="rId3"/>
+          <a:srcRect r="28942"/>
+          <a:stretch/>
+        </p:blipFill>
+        <p:spPr>
+          <a:xfrm>
+            <a:off x="1700373" y="4059526"/>
+            <a:ext cx="3739793" cy="1632518"/>
+          </a:xfrm>
+          <a:prstGeom prst="rect">
+            <a:avLst/>
+          </a:prstGeom>
+        </p:spPr>
+      </p:pic>
+      <p:grpSp>
+        <p:nvGrpSpPr>
+          <p:cNvPr id="16" name="组合 15">
+            <a:extLst>
+              <a:ext uri="{FF2B5EF4-FFF2-40B4-BE49-F238E27FC236}">
+                <a16:creationId xmlns:a16="http://schemas.microsoft.com/office/drawing/2014/main" id="{CE961549-EA68-D015-6587-1A2B9EFE2C91}"/>
+              </a:ext>
+            </a:extLst>
+          </p:cNvPr>
+          <p:cNvGrpSpPr/>
+          <p:nvPr/>
+        </p:nvGrpSpPr>
+        <p:grpSpPr>
+          <a:xfrm>
+            <a:off x="1700373" y="3751749"/>
+            <a:ext cx="3739794" cy="307777"/>
+            <a:chOff x="1813385" y="3417678"/>
+            <a:chExt cx="3975043" cy="307777"/>
+          </a:xfrm>
+        </p:grpSpPr>
+        <p:sp>
+          <p:nvSpPr>
+            <p:cNvPr id="17" name="矩形 16">
+              <a:extLst>
+                <a:ext uri="{FF2B5EF4-FFF2-40B4-BE49-F238E27FC236}">
+                  <a16:creationId xmlns:a16="http://schemas.microsoft.com/office/drawing/2014/main" id="{B95ED302-F9A2-A7D9-DCC5-7C2E763C0BE8}"/>
+                </a:ext>
+              </a:extLst>
+            </p:cNvPr>
+            <p:cNvSpPr/>
+            <p:nvPr/>
+          </p:nvSpPr>
+          <p:spPr>
+            <a:xfrm>
+              <a:off x="1813387" y="3429000"/>
+              <a:ext cx="3975041" cy="296455"/>
+            </a:xfrm>
+            <a:prstGeom prst="rect">
+              <a:avLst/>
+            </a:prstGeom>
+            <a:solidFill>
+              <a:srgbClr val="E7EBE1"/>
+            </a:solidFill>
+            <a:ln w="3175">
+              <a:noFill/>
+            </a:ln>
+            <a:effectLst/>
+          </p:spPr>
+          <p:style>
+            <a:lnRef idx="2">
+              <a:schemeClr val="accent1">
+                <a:shade val="15000"/>
+              </a:schemeClr>
+            </a:lnRef>
+            <a:fillRef idx="1">
+              <a:schemeClr val="accent1"/>
+            </a:fillRef>
+            <a:effectRef idx="0">
+              <a:schemeClr val="accent1"/>
+            </a:effectRef>
+            <a:fontRef idx="minor">
+              <a:schemeClr val="lt1"/>
+            </a:fontRef>
+          </p:style>
+          <p:txBody>
+            <a:bodyPr rtlCol="0" anchor="ctr"/>
+            <a:lstStyle/>
+            <a:p>
+              <a:pPr algn="ctr"/>
+              <a:endParaRPr lang="zh-CN" altLang="en-US" dirty="0"/>
+            </a:p>
+          </p:txBody>
+        </p:sp>
+        <p:sp>
+          <p:nvSpPr>
+            <p:cNvPr id="18" name="文本框 17">
+              <a:extLst>
+                <a:ext uri="{FF2B5EF4-FFF2-40B4-BE49-F238E27FC236}">
+                  <a16:creationId xmlns:a16="http://schemas.microsoft.com/office/drawing/2014/main" id="{DDD1092F-0EE4-11E3-0E1A-445EF78CAF13}"/>
+                </a:ext>
+              </a:extLst>
+            </p:cNvPr>
+            <p:cNvSpPr txBox="1"/>
+            <p:nvPr/>
+          </p:nvSpPr>
+          <p:spPr>
+            <a:xfrm>
+              <a:off x="1813385" y="3417678"/>
+              <a:ext cx="2054831" cy="307777"/>
+            </a:xfrm>
+            <a:prstGeom prst="rect">
+              <a:avLst/>
+            </a:prstGeom>
+            <a:noFill/>
+          </p:spPr>
+          <p:txBody>
+            <a:bodyPr wrap="square" rtlCol="0">
+              <a:spAutoFit/>
+            </a:bodyPr>
+            <a:lstStyle/>
+            <a:p>
+              <a:r>
+                <a:rPr lang="zh-CN" altLang="en-US" sz="1400" b="1" dirty="0">
+                  <a:solidFill>
+                    <a:srgbClr val="7A8F5B"/>
+                  </a:solidFill>
+                  <a:latin typeface="Arial" panose="020B0604020202020204" pitchFamily="34" charset="0"/>
+                  <a:cs typeface="Arial" panose="020B0604020202020204" pitchFamily="34" charset="0"/>
+                </a:rPr>
+                <a:t>前端输送数据至后端</a:t>
+              </a:r>
+            </a:p>
+          </p:txBody>
+        </p:sp>
+      </p:grpSp>
+      <p:pic>
+        <p:nvPicPr>
+          <p:cNvPr id="20" name="图片 19">
+            <a:extLst>
+              <a:ext uri="{FF2B5EF4-FFF2-40B4-BE49-F238E27FC236}">
+                <a16:creationId xmlns:a16="http://schemas.microsoft.com/office/drawing/2014/main" id="{A00C04E5-1162-747C-2227-98F085443102}"/>
+              </a:ext>
+            </a:extLst>
+          </p:cNvPr>
+          <p:cNvPicPr>
+            <a:picLocks noChangeAspect="1"/>
+          </p:cNvPicPr>
+          <p:nvPr/>
+        </p:nvPicPr>
+        <p:blipFill>
+          <a:blip r:embed="rId4"/>
+          <a:srcRect r="28662"/>
+          <a:stretch/>
+        </p:blipFill>
+        <p:spPr>
+          <a:xfrm>
+            <a:off x="5912778" y="1165956"/>
+            <a:ext cx="4053155" cy="2123572"/>
+          </a:xfrm>
+          <a:prstGeom prst="rect">
+            <a:avLst/>
+          </a:prstGeom>
+        </p:spPr>
+      </p:pic>
+      <p:grpSp>
+        <p:nvGrpSpPr>
+          <p:cNvPr id="23" name="组合 22">
+            <a:extLst>
+              <a:ext uri="{FF2B5EF4-FFF2-40B4-BE49-F238E27FC236}">
+                <a16:creationId xmlns:a16="http://schemas.microsoft.com/office/drawing/2014/main" id="{CB886523-8E3B-F445-A895-D4F3225E0EBC}"/>
+              </a:ext>
+            </a:extLst>
+          </p:cNvPr>
+          <p:cNvGrpSpPr/>
+          <p:nvPr/>
+        </p:nvGrpSpPr>
+        <p:grpSpPr>
+          <a:xfrm>
+            <a:off x="5912776" y="867952"/>
+            <a:ext cx="4053156" cy="307777"/>
+            <a:chOff x="5912776" y="867952"/>
+            <a:chExt cx="4053156" cy="307777"/>
+          </a:xfrm>
+        </p:grpSpPr>
+        <p:sp>
+          <p:nvSpPr>
+            <p:cNvPr id="21" name="矩形 20">
+              <a:extLst>
+                <a:ext uri="{FF2B5EF4-FFF2-40B4-BE49-F238E27FC236}">
+                  <a16:creationId xmlns:a16="http://schemas.microsoft.com/office/drawing/2014/main" id="{58DB34BD-B2B3-2729-D52A-10C03816CB9D}"/>
+                </a:ext>
+              </a:extLst>
+            </p:cNvPr>
+            <p:cNvSpPr/>
+            <p:nvPr/>
+          </p:nvSpPr>
+          <p:spPr>
+            <a:xfrm>
+              <a:off x="5912777" y="867952"/>
+              <a:ext cx="4053155" cy="292343"/>
+            </a:xfrm>
+            <a:prstGeom prst="rect">
+              <a:avLst/>
+            </a:prstGeom>
+            <a:solidFill>
+              <a:schemeClr val="accent1">
+                <a:lumMod val="20000"/>
+                <a:lumOff val="80000"/>
+              </a:schemeClr>
+            </a:solidFill>
+            <a:ln w="3175">
+              <a:noFill/>
+            </a:ln>
+          </p:spPr>
+          <p:style>
+            <a:lnRef idx="2">
+              <a:schemeClr val="accent1">
+                <a:shade val="15000"/>
+              </a:schemeClr>
+            </a:lnRef>
+            <a:fillRef idx="1">
+              <a:schemeClr val="accent1"/>
+            </a:fillRef>
+            <a:effectRef idx="0">
+              <a:schemeClr val="accent1"/>
+            </a:effectRef>
+            <a:fontRef idx="minor">
+              <a:schemeClr val="lt1"/>
+            </a:fontRef>
+          </p:style>
+          <p:txBody>
+            <a:bodyPr rtlCol="0" anchor="ctr"/>
+            <a:lstStyle/>
+            <a:p>
+              <a:pPr algn="ctr"/>
+              <a:endParaRPr lang="zh-CN" altLang="en-US"/>
+            </a:p>
+          </p:txBody>
+        </p:sp>
+        <p:sp>
+          <p:nvSpPr>
+            <p:cNvPr id="22" name="文本框 21">
+              <a:extLst>
+                <a:ext uri="{FF2B5EF4-FFF2-40B4-BE49-F238E27FC236}">
+                  <a16:creationId xmlns:a16="http://schemas.microsoft.com/office/drawing/2014/main" id="{AB6F1F17-0363-E39E-F758-627539E82E9E}"/>
+                </a:ext>
+              </a:extLst>
+            </p:cNvPr>
+            <p:cNvSpPr txBox="1"/>
+            <p:nvPr/>
+          </p:nvSpPr>
+          <p:spPr>
+            <a:xfrm>
+              <a:off x="5912776" y="867952"/>
+              <a:ext cx="1933223" cy="307777"/>
+            </a:xfrm>
+            <a:prstGeom prst="rect">
+              <a:avLst/>
+            </a:prstGeom>
+            <a:noFill/>
+          </p:spPr>
+          <p:txBody>
+            <a:bodyPr wrap="square" rtlCol="0">
+              <a:spAutoFit/>
+            </a:bodyPr>
+            <a:lstStyle/>
+            <a:p>
+              <a:r>
+                <a:rPr lang="zh-CN" altLang="en-US" sz="1400" b="1" dirty="0">
+                  <a:solidFill>
+                    <a:schemeClr val="accent1">
+                      <a:lumMod val="50000"/>
+                    </a:schemeClr>
+                  </a:solidFill>
+                  <a:latin typeface="Arial" panose="020B0604020202020204" pitchFamily="34" charset="0"/>
+                  <a:cs typeface="Arial" panose="020B0604020202020204" pitchFamily="34" charset="0"/>
+                </a:rPr>
+                <a:t>后端输送数据至前端</a:t>
+              </a:r>
+            </a:p>
+          </p:txBody>
+        </p:sp>
+      </p:grpSp>
+      <p:pic>
+        <p:nvPicPr>
+          <p:cNvPr id="25" name="图片 24">
+            <a:extLst>
+              <a:ext uri="{FF2B5EF4-FFF2-40B4-BE49-F238E27FC236}">
+                <a16:creationId xmlns:a16="http://schemas.microsoft.com/office/drawing/2014/main" id="{98C4E574-9F36-C954-8D3F-BFE74B08DEE5}"/>
+              </a:ext>
+            </a:extLst>
+          </p:cNvPr>
+          <p:cNvPicPr>
+            <a:picLocks noChangeAspect="1"/>
+          </p:cNvPicPr>
+          <p:nvPr/>
+        </p:nvPicPr>
+        <p:blipFill>
+          <a:blip r:embed="rId5"/>
+          <a:stretch>
+            <a:fillRect/>
+          </a:stretch>
+        </p:blipFill>
+        <p:spPr>
+          <a:xfrm>
+            <a:off x="1676423" y="1378107"/>
+            <a:ext cx="3914346" cy="1911421"/>
+          </a:xfrm>
+          <a:prstGeom prst="rect">
+            <a:avLst/>
+          </a:prstGeom>
+        </p:spPr>
+      </p:pic>
+      <p:grpSp>
+        <p:nvGrpSpPr>
+          <p:cNvPr id="26" name="组合 25">
+            <a:extLst>
+              <a:ext uri="{FF2B5EF4-FFF2-40B4-BE49-F238E27FC236}">
+                <a16:creationId xmlns:a16="http://schemas.microsoft.com/office/drawing/2014/main" id="{CD42DCC8-8AF2-D95A-6F5C-2ACE6B38513B}"/>
+              </a:ext>
+            </a:extLst>
+          </p:cNvPr>
+          <p:cNvGrpSpPr/>
+          <p:nvPr/>
+        </p:nvGrpSpPr>
+        <p:grpSpPr>
+          <a:xfrm>
+            <a:off x="1676423" y="1111427"/>
+            <a:ext cx="3914346" cy="307777"/>
+            <a:chOff x="5912776" y="867952"/>
+            <a:chExt cx="4053156" cy="307777"/>
+          </a:xfrm>
+        </p:grpSpPr>
+        <p:sp>
+          <p:nvSpPr>
+            <p:cNvPr id="27" name="矩形 26">
+              <a:extLst>
+                <a:ext uri="{FF2B5EF4-FFF2-40B4-BE49-F238E27FC236}">
+                  <a16:creationId xmlns:a16="http://schemas.microsoft.com/office/drawing/2014/main" id="{865CA8BF-F1A1-BE5C-0900-DAD28C47997F}"/>
+                </a:ext>
+              </a:extLst>
+            </p:cNvPr>
+            <p:cNvSpPr/>
+            <p:nvPr/>
+          </p:nvSpPr>
+          <p:spPr>
+            <a:xfrm>
+              <a:off x="5912777" y="867952"/>
+              <a:ext cx="4053155" cy="292343"/>
+            </a:xfrm>
+            <a:prstGeom prst="rect">
+              <a:avLst/>
+            </a:prstGeom>
+            <a:solidFill>
+              <a:schemeClr val="accent1">
+                <a:lumMod val="20000"/>
+                <a:lumOff val="80000"/>
+              </a:schemeClr>
+            </a:solidFill>
+            <a:ln w="3175">
+              <a:noFill/>
+            </a:ln>
+          </p:spPr>
+          <p:style>
+            <a:lnRef idx="2">
+              <a:schemeClr val="accent1">
+                <a:shade val="15000"/>
+              </a:schemeClr>
+            </a:lnRef>
+            <a:fillRef idx="1">
+              <a:schemeClr val="accent1"/>
+            </a:fillRef>
+            <a:effectRef idx="0">
+              <a:schemeClr val="accent1"/>
+            </a:effectRef>
+            <a:fontRef idx="minor">
+              <a:schemeClr val="lt1"/>
+            </a:fontRef>
+          </p:style>
+          <p:txBody>
+            <a:bodyPr rtlCol="0" anchor="ctr"/>
+            <a:lstStyle/>
+            <a:p>
+              <a:pPr algn="ctr"/>
+              <a:endParaRPr lang="zh-CN" altLang="en-US"/>
+            </a:p>
+          </p:txBody>
+        </p:sp>
+        <p:sp>
+          <p:nvSpPr>
+            <p:cNvPr id="28" name="文本框 27">
+              <a:extLst>
+                <a:ext uri="{FF2B5EF4-FFF2-40B4-BE49-F238E27FC236}">
+                  <a16:creationId xmlns:a16="http://schemas.microsoft.com/office/drawing/2014/main" id="{68A4A1C4-7A78-F780-E608-6DCD3555D6C4}"/>
+                </a:ext>
+              </a:extLst>
+            </p:cNvPr>
+            <p:cNvSpPr txBox="1"/>
+            <p:nvPr/>
+          </p:nvSpPr>
+          <p:spPr>
+            <a:xfrm>
+              <a:off x="5912776" y="867952"/>
+              <a:ext cx="1933223" cy="307777"/>
+            </a:xfrm>
+            <a:prstGeom prst="rect">
+              <a:avLst/>
+            </a:prstGeom>
+            <a:noFill/>
+          </p:spPr>
+          <p:txBody>
+            <a:bodyPr wrap="square" rtlCol="0">
+              <a:spAutoFit/>
+            </a:bodyPr>
+            <a:lstStyle/>
+            <a:p>
+              <a:r>
+                <a:rPr lang="zh-CN" altLang="en-US" sz="1400" b="1" dirty="0">
+                  <a:solidFill>
+                    <a:schemeClr val="accent1">
+                      <a:lumMod val="50000"/>
+                    </a:schemeClr>
+                  </a:solidFill>
+                  <a:latin typeface="Arial" panose="020B0604020202020204" pitchFamily="34" charset="0"/>
+                  <a:cs typeface="Arial" panose="020B0604020202020204" pitchFamily="34" charset="0"/>
+                </a:rPr>
+                <a:t>后端接收数据</a:t>
+              </a:r>
+            </a:p>
+          </p:txBody>
+        </p:sp>
+      </p:grpSp>
+      <p:sp>
+        <p:nvSpPr>
+          <p:cNvPr id="31" name="箭头: 下 30">
+            <a:extLst>
+              <a:ext uri="{FF2B5EF4-FFF2-40B4-BE49-F238E27FC236}">
+                <a16:creationId xmlns:a16="http://schemas.microsoft.com/office/drawing/2014/main" id="{FDBFEED4-AA3A-0F71-F9AE-719E9F8E9897}"/>
+              </a:ext>
+            </a:extLst>
+          </p:cNvPr>
+          <p:cNvSpPr/>
+          <p:nvPr/>
+        </p:nvSpPr>
+        <p:spPr>
+          <a:xfrm rot="10800000">
+            <a:off x="3463448" y="3333427"/>
+            <a:ext cx="213642" cy="489328"/>
+          </a:xfrm>
+          <a:prstGeom prst="downArrow">
+            <a:avLst/>
+          </a:prstGeom>
+          <a:solidFill>
+            <a:schemeClr val="bg2"/>
+          </a:solidFill>
+          <a:ln w="3175">
+            <a:solidFill>
+              <a:schemeClr val="tx1">
+                <a:lumMod val="50000"/>
+                <a:lumOff val="50000"/>
+              </a:schemeClr>
+            </a:solidFill>
+          </a:ln>
+        </p:spPr>
+        <p:style>
+          <a:lnRef idx="2">
+            <a:schemeClr val="accent1">
+              <a:shade val="15000"/>
+            </a:schemeClr>
+          </a:lnRef>
+          <a:fillRef idx="1">
+            <a:schemeClr val="accent1"/>
+          </a:fillRef>
+          <a:effectRef idx="0">
+            <a:schemeClr val="accent1"/>
+          </a:effectRef>
+          <a:fontRef idx="minor">
+            <a:schemeClr val="lt1"/>
+          </a:fontRef>
+        </p:style>
+        <p:txBody>
+          <a:bodyPr rtlCol="0" anchor="ctr"/>
+          <a:lstStyle/>
+          <a:p>
+            <a:pPr algn="ctr"/>
+            <a:endParaRPr lang="zh-CN" altLang="en-US"/>
+          </a:p>
+        </p:txBody>
+      </p:sp>
+      <p:sp>
+        <p:nvSpPr>
+          <p:cNvPr id="32" name="文本框 31">
+            <a:extLst>
+              <a:ext uri="{FF2B5EF4-FFF2-40B4-BE49-F238E27FC236}">
+                <a16:creationId xmlns:a16="http://schemas.microsoft.com/office/drawing/2014/main" id="{BF8AD103-1A8B-F7C2-7E38-E3A0F8B0199E}"/>
+              </a:ext>
+            </a:extLst>
+          </p:cNvPr>
+          <p:cNvSpPr txBox="1"/>
+          <p:nvPr/>
+        </p:nvSpPr>
+        <p:spPr>
+          <a:xfrm>
+            <a:off x="3065658" y="3452169"/>
+            <a:ext cx="1222863" cy="276999"/>
+          </a:xfrm>
+          <a:prstGeom prst="rect">
+            <a:avLst/>
+          </a:prstGeom>
+          <a:noFill/>
+        </p:spPr>
+        <p:txBody>
+          <a:bodyPr wrap="square">
+            <a:spAutoFit/>
+          </a:bodyPr>
+          <a:lstStyle/>
+          <a:p>
+            <a:r>
+              <a:rPr lang="sq-AL" altLang="zh-CN" sz="1200" b="1" dirty="0">
+                <a:effectLst/>
+                <a:highlight>
+                  <a:srgbClr val="F5F5F5"/>
+                </a:highlight>
+                <a:latin typeface="Arial" panose="020B0604020202020204" pitchFamily="34" charset="0"/>
+                <a:cs typeface="Arial" panose="020B0604020202020204" pitchFamily="34" charset="0"/>
+              </a:rPr>
+              <a:t>Flask</a:t>
+            </a:r>
+            <a:r>
+              <a:rPr lang="en-US" altLang="zh-CN" sz="1200" b="1" dirty="0">
+                <a:effectLst/>
+                <a:highlight>
+                  <a:srgbClr val="F5F5F5"/>
+                </a:highlight>
+                <a:latin typeface="Arial" panose="020B0604020202020204" pitchFamily="34" charset="0"/>
+                <a:cs typeface="Arial" panose="020B0604020202020204" pitchFamily="34" charset="0"/>
+              </a:rPr>
+              <a:t> POST</a:t>
+            </a:r>
+            <a:endParaRPr lang="sq-AL" altLang="zh-CN" sz="1200" b="1" dirty="0">
+              <a:effectLst/>
+              <a:highlight>
+                <a:srgbClr val="F5F5F5"/>
+              </a:highlight>
+              <a:latin typeface="Arial" panose="020B0604020202020204" pitchFamily="34" charset="0"/>
+              <a:cs typeface="Arial" panose="020B0604020202020204" pitchFamily="34" charset="0"/>
+            </a:endParaRPr>
+          </a:p>
+        </p:txBody>
+      </p:sp>
+      <p:cxnSp>
+        <p:nvCxnSpPr>
+          <p:cNvPr id="35" name="连接符: 肘形 34">
+            <a:extLst>
+              <a:ext uri="{FF2B5EF4-FFF2-40B4-BE49-F238E27FC236}">
+                <a16:creationId xmlns:a16="http://schemas.microsoft.com/office/drawing/2014/main" id="{8CAD4CB3-4936-1DDE-DD28-67240F262AA5}"/>
+              </a:ext>
+            </a:extLst>
+          </p:cNvPr>
+          <p:cNvCxnSpPr>
+            <a:cxnSpLocks/>
+            <a:endCxn id="22" idx="0"/>
+          </p:cNvCxnSpPr>
+          <p:nvPr/>
+        </p:nvCxnSpPr>
+        <p:spPr>
+          <a:xfrm flipV="1">
+            <a:off x="4802277" y="867952"/>
+            <a:ext cx="2077111" cy="249480"/>
+          </a:xfrm>
+          <a:prstGeom prst="bentConnector4">
+            <a:avLst>
+              <a:gd name="adj1" fmla="val -226"/>
+              <a:gd name="adj2" fmla="val 191631"/>
+            </a:avLst>
+          </a:prstGeom>
+          <a:ln w="38100">
+            <a:solidFill>
+              <a:schemeClr val="tx1">
+                <a:lumMod val="50000"/>
+                <a:lumOff val="50000"/>
+              </a:schemeClr>
+            </a:solidFill>
+            <a:tailEnd type="triangle"/>
+          </a:ln>
+        </p:spPr>
+        <p:style>
+          <a:lnRef idx="1">
+            <a:schemeClr val="accent1"/>
+          </a:lnRef>
+          <a:fillRef idx="0">
+            <a:schemeClr val="accent1"/>
+          </a:fillRef>
+          <a:effectRef idx="0">
+            <a:schemeClr val="accent1"/>
+          </a:effectRef>
+          <a:fontRef idx="minor">
+            <a:schemeClr val="tx1"/>
+          </a:fontRef>
+        </p:style>
+      </p:cxnSp>
+      <p:sp>
+        <p:nvSpPr>
+          <p:cNvPr id="39" name="文本框 38">
+            <a:extLst>
+              <a:ext uri="{FF2B5EF4-FFF2-40B4-BE49-F238E27FC236}">
+                <a16:creationId xmlns:a16="http://schemas.microsoft.com/office/drawing/2014/main" id="{2BA9DAEE-31D7-7B8C-1DA5-B94F0B8862A1}"/>
+              </a:ext>
+            </a:extLst>
+          </p:cNvPr>
+          <p:cNvSpPr txBox="1"/>
+          <p:nvPr/>
+        </p:nvSpPr>
+        <p:spPr>
+          <a:xfrm>
+            <a:off x="5052833" y="499384"/>
+            <a:ext cx="1826554" cy="276999"/>
+          </a:xfrm>
+          <a:prstGeom prst="rect">
+            <a:avLst/>
+          </a:prstGeom>
+          <a:noFill/>
+        </p:spPr>
+        <p:txBody>
+          <a:bodyPr wrap="square">
+            <a:spAutoFit/>
+          </a:bodyPr>
+          <a:lstStyle/>
+          <a:p>
+            <a:r>
+              <a:rPr lang="zh-CN" altLang="en-US" sz="1200" b="1" dirty="0">
+                <a:effectLst/>
+                <a:highlight>
+                  <a:srgbClr val="F5F5F5"/>
+                </a:highlight>
+                <a:latin typeface="Arial" panose="020B0604020202020204" pitchFamily="34" charset="0"/>
+                <a:cs typeface="Arial" panose="020B0604020202020204" pitchFamily="34" charset="0"/>
+              </a:rPr>
+              <a:t>数据寄存变量</a:t>
+            </a:r>
+            <a:r>
+              <a:rPr lang="en-US" altLang="zh-CN" sz="1200" b="1" dirty="0">
+                <a:effectLst/>
+                <a:highlight>
+                  <a:srgbClr val="F5F5F5"/>
+                </a:highlight>
+                <a:latin typeface="Arial" panose="020B0604020202020204" pitchFamily="34" charset="0"/>
+                <a:cs typeface="Arial" panose="020B0604020202020204" pitchFamily="34" charset="0"/>
+              </a:rPr>
+              <a:t>(global)</a:t>
+            </a:r>
+            <a:endParaRPr lang="sq-AL" altLang="zh-CN" sz="1200" b="1" dirty="0">
+              <a:effectLst/>
+              <a:highlight>
+                <a:srgbClr val="F5F5F5"/>
+              </a:highlight>
+              <a:latin typeface="Arial" panose="020B0604020202020204" pitchFamily="34" charset="0"/>
+              <a:cs typeface="Arial" panose="020B0604020202020204" pitchFamily="34" charset="0"/>
+            </a:endParaRPr>
+          </a:p>
+        </p:txBody>
+      </p:sp>
+      <p:sp>
+        <p:nvSpPr>
+          <p:cNvPr id="40" name="箭头: 下 39">
+            <a:extLst>
+              <a:ext uri="{FF2B5EF4-FFF2-40B4-BE49-F238E27FC236}">
+                <a16:creationId xmlns:a16="http://schemas.microsoft.com/office/drawing/2014/main" id="{57FD8CB9-6CE0-8CDE-47A2-3E3A47C0C8F7}"/>
+              </a:ext>
+            </a:extLst>
+          </p:cNvPr>
+          <p:cNvSpPr/>
+          <p:nvPr/>
+        </p:nvSpPr>
+        <p:spPr>
+          <a:xfrm>
+            <a:off x="7871599" y="3323809"/>
+            <a:ext cx="213642" cy="489328"/>
+          </a:xfrm>
+          <a:prstGeom prst="downArrow">
+            <a:avLst/>
+          </a:prstGeom>
+          <a:solidFill>
+            <a:schemeClr val="bg2"/>
+          </a:solidFill>
+          <a:ln w="3175">
+            <a:solidFill>
+              <a:schemeClr val="tx1">
+                <a:lumMod val="50000"/>
+                <a:lumOff val="50000"/>
+              </a:schemeClr>
+            </a:solidFill>
+          </a:ln>
+        </p:spPr>
+        <p:style>
+          <a:lnRef idx="2">
+            <a:schemeClr val="accent1">
+              <a:shade val="15000"/>
+            </a:schemeClr>
+          </a:lnRef>
+          <a:fillRef idx="1">
+            <a:schemeClr val="accent1"/>
+          </a:fillRef>
+          <a:effectRef idx="0">
+            <a:schemeClr val="accent1"/>
+          </a:effectRef>
+          <a:fontRef idx="minor">
+            <a:schemeClr val="lt1"/>
+          </a:fontRef>
+        </p:style>
+        <p:txBody>
+          <a:bodyPr rtlCol="0" anchor="ctr"/>
+          <a:lstStyle/>
+          <a:p>
+            <a:pPr algn="ctr"/>
+            <a:endParaRPr lang="zh-CN" altLang="en-US"/>
+          </a:p>
+        </p:txBody>
+      </p:sp>
+      <p:sp>
+        <p:nvSpPr>
+          <p:cNvPr id="41" name="文本框 40">
+            <a:extLst>
+              <a:ext uri="{FF2B5EF4-FFF2-40B4-BE49-F238E27FC236}">
+                <a16:creationId xmlns:a16="http://schemas.microsoft.com/office/drawing/2014/main" id="{289FF40A-E971-1F26-49FA-73C31D974CCF}"/>
+              </a:ext>
+            </a:extLst>
+          </p:cNvPr>
+          <p:cNvSpPr txBox="1"/>
+          <p:nvPr/>
+        </p:nvSpPr>
+        <p:spPr>
+          <a:xfrm>
+            <a:off x="6928081" y="3367582"/>
+            <a:ext cx="2100658" cy="276999"/>
+          </a:xfrm>
+          <a:prstGeom prst="rect">
+            <a:avLst/>
+          </a:prstGeom>
+          <a:noFill/>
+        </p:spPr>
+        <p:txBody>
+          <a:bodyPr wrap="square">
+            <a:spAutoFit/>
+          </a:bodyPr>
+          <a:lstStyle/>
+          <a:p>
+            <a:r>
+              <a:rPr lang="sq-AL" altLang="zh-CN" sz="1200" b="1" dirty="0">
+                <a:effectLst/>
+                <a:highlight>
+                  <a:srgbClr val="F5F5F5"/>
+                </a:highlight>
+                <a:latin typeface="Arial" panose="020B0604020202020204" pitchFamily="34" charset="0"/>
+                <a:cs typeface="Arial" panose="020B0604020202020204" pitchFamily="34" charset="0"/>
+              </a:rPr>
+              <a:t>Flask SSE API</a:t>
+            </a:r>
+            <a:r>
+              <a:rPr lang="en-US" altLang="zh-CN" sz="1200" b="1" dirty="0">
+                <a:effectLst/>
+                <a:highlight>
+                  <a:srgbClr val="F5F5F5"/>
+                </a:highlight>
+                <a:latin typeface="Arial" panose="020B0604020202020204" pitchFamily="34" charset="0"/>
+                <a:cs typeface="Arial" panose="020B0604020202020204" pitchFamily="34" charset="0"/>
+              </a:rPr>
+              <a:t> </a:t>
+            </a:r>
+            <a:r>
+              <a:rPr lang="zh-CN" altLang="en-US" sz="1200" b="1" dirty="0">
+                <a:effectLst/>
+                <a:highlight>
+                  <a:srgbClr val="F5F5F5"/>
+                </a:highlight>
+                <a:latin typeface="Arial" panose="020B0604020202020204" pitchFamily="34" charset="0"/>
+                <a:cs typeface="Arial" panose="020B0604020202020204" pitchFamily="34" charset="0"/>
+              </a:rPr>
+              <a:t>不间断读取</a:t>
+            </a:r>
+            <a:endParaRPr lang="sq-AL" altLang="zh-CN" sz="1200" b="1" dirty="0">
+              <a:effectLst/>
+              <a:highlight>
+                <a:srgbClr val="F5F5F5"/>
+              </a:highlight>
+              <a:latin typeface="Arial" panose="020B0604020202020204" pitchFamily="34" charset="0"/>
+              <a:cs typeface="Arial" panose="020B0604020202020204" pitchFamily="34" charset="0"/>
+            </a:endParaRPr>
+          </a:p>
+        </p:txBody>
+      </p:sp>
+      <p:cxnSp>
+        <p:nvCxnSpPr>
+          <p:cNvPr id="42" name="连接符: 肘形 41">
+            <a:extLst>
+              <a:ext uri="{FF2B5EF4-FFF2-40B4-BE49-F238E27FC236}">
+                <a16:creationId xmlns:a16="http://schemas.microsoft.com/office/drawing/2014/main" id="{526AA7F3-4857-0154-C12F-781222268C2B}"/>
+              </a:ext>
+            </a:extLst>
+          </p:cNvPr>
+          <p:cNvCxnSpPr>
+            <a:cxnSpLocks/>
+            <a:stCxn id="7" idx="1"/>
+            <a:endCxn id="14" idx="3"/>
+          </p:cNvCxnSpPr>
+          <p:nvPr/>
+        </p:nvCxnSpPr>
+        <p:spPr>
+          <a:xfrm rot="10800000" flipV="1">
+            <a:off x="5440167" y="4842393"/>
+            <a:ext cx="550725" cy="33391"/>
+          </a:xfrm>
+          <a:prstGeom prst="bentConnector3">
+            <a:avLst>
+              <a:gd name="adj1" fmla="val -370"/>
+            </a:avLst>
+          </a:prstGeom>
+          <a:ln w="38100">
+            <a:solidFill>
+              <a:schemeClr val="tx1">
+                <a:lumMod val="50000"/>
+                <a:lumOff val="50000"/>
+              </a:schemeClr>
+            </a:solidFill>
+            <a:tailEnd type="triangle"/>
+          </a:ln>
+        </p:spPr>
+        <p:style>
+          <a:lnRef idx="1">
+            <a:schemeClr val="accent1"/>
+          </a:lnRef>
+          <a:fillRef idx="0">
+            <a:schemeClr val="accent1"/>
+          </a:fillRef>
+          <a:effectRef idx="0">
+            <a:schemeClr val="accent1"/>
+          </a:effectRef>
+          <a:fontRef idx="minor">
+            <a:schemeClr val="tx1"/>
+          </a:fontRef>
+        </p:style>
+      </p:cxnSp>
+      <p:sp>
+        <p:nvSpPr>
+          <p:cNvPr id="47" name="文本框 46">
+            <a:extLst>
+              <a:ext uri="{FF2B5EF4-FFF2-40B4-BE49-F238E27FC236}">
+                <a16:creationId xmlns:a16="http://schemas.microsoft.com/office/drawing/2014/main" id="{09F2D0CF-68C0-F58F-26C0-E9944A0D964C}"/>
+              </a:ext>
+            </a:extLst>
+          </p:cNvPr>
+          <p:cNvSpPr txBox="1"/>
+          <p:nvPr/>
+        </p:nvSpPr>
+        <p:spPr>
+          <a:xfrm rot="16200000">
+            <a:off x="5270144" y="4777076"/>
+            <a:ext cx="959006" cy="276999"/>
+          </a:xfrm>
+          <a:prstGeom prst="rect">
+            <a:avLst/>
+          </a:prstGeom>
+          <a:noFill/>
+        </p:spPr>
+        <p:txBody>
+          <a:bodyPr wrap="square">
+            <a:spAutoFit/>
+          </a:bodyPr>
+          <a:lstStyle/>
+          <a:p>
+            <a:r>
+              <a:rPr lang="zh-CN" altLang="en-US" sz="1200" b="1" dirty="0">
+                <a:highlight>
+                  <a:srgbClr val="F5F5F5"/>
+                </a:highlight>
+                <a:latin typeface="Arial" panose="020B0604020202020204" pitchFamily="34" charset="0"/>
+                <a:cs typeface="Arial" panose="020B0604020202020204" pitchFamily="34" charset="0"/>
+              </a:rPr>
+              <a:t>条件下触发</a:t>
+            </a:r>
+            <a:endParaRPr lang="sq-AL" altLang="zh-CN" sz="1200" b="1" dirty="0">
+              <a:effectLst/>
+              <a:highlight>
+                <a:srgbClr val="F5F5F5"/>
+              </a:highlight>
+              <a:latin typeface="Arial" panose="020B0604020202020204" pitchFamily="34" charset="0"/>
+              <a:cs typeface="Arial" panose="020B0604020202020204" pitchFamily="34" charset="0"/>
+            </a:endParaRPr>
+          </a:p>
+        </p:txBody>
+      </p:sp>
+    </p:spTree>
+    <p:extLst>
+      <p:ext uri="{BB962C8B-B14F-4D97-AF65-F5344CB8AC3E}">
+        <p14:creationId xmlns:p14="http://schemas.microsoft.com/office/powerpoint/2010/main" val="2657167697"/>
       </p:ext>
     </p:extLst>
   </p:cSld>
